--- a/Poster unfinished.pptx
+++ b/Poster unfinished.pptx
@@ -238,7 +238,7 @@
           <a:p>
             <a:fld id="{F0ED68F8-47EA-694E-A90F-039C71514126}" type="datetimeFigureOut">
               <a:rPr lang="en-US" smtClean="0"/>
-              <a:t>11/22/2023</a:t>
+              <a:t>11/23/2023</a:t>
             </a:fld>
             <a:endParaRPr lang="en-US"/>
           </a:p>
@@ -5227,7 +5227,7 @@
           <a:p>
             <a:pPr eaLnBrk="1" hangingPunct="1"/>
             <a:r>
-              <a:rPr lang="en-GB" altLang="en-US" sz="2500" baseline="30000" dirty="0" smtClean="0">
+              <a:rPr lang="en-GB" altLang="en-US" sz="2500" baseline="30000" dirty="0">
                 <a:latin typeface="Arial" panose="020B0604020202020204" pitchFamily="34" charset="0"/>
               </a:rPr>
               <a:t>References</a:t>
@@ -6340,22 +6340,13 @@
               </a:spcBef>
             </a:pPr>
             <a:r>
-              <a:rPr lang="en-GB" altLang="en-US" sz="3000" b="1" dirty="0" smtClean="0">
+              <a:rPr lang="en-GB" altLang="en-US" sz="3000" b="1" dirty="0">
                 <a:solidFill>
                   <a:srgbClr val="FF7F00"/>
                 </a:solidFill>
                 <a:latin typeface="Arial" panose="020B0604020202020204" pitchFamily="34" charset="0"/>
               </a:rPr>
-              <a:t>Light-activated stimuli </a:t>
-            </a:r>
-            <a:r>
-              <a:rPr lang="en-GB" altLang="en-US" sz="3000" b="1" dirty="0">
-                <a:solidFill>
-                  <a:srgbClr val="FF7F00"/>
-                </a:solidFill>
-                <a:latin typeface="Arial" panose="020B0604020202020204" pitchFamily="34" charset="0"/>
-              </a:rPr>
-              <a:t>injection</a:t>
+              <a:t>Light-activated stimuli injection</a:t>
             </a:r>
           </a:p>
         </p:txBody>
@@ -6423,8 +6414,8 @@
         </p:blipFill>
         <p:spPr>
           <a:xfrm>
-            <a:off x="17489897" y="9938011"/>
-            <a:ext cx="9784770" cy="5568616"/>
+            <a:off x="19966092" y="10192761"/>
+            <a:ext cx="9287819" cy="5285796"/>
           </a:xfrm>
           <a:prstGeom prst="rect">
             <a:avLst/>
@@ -7116,31 +7107,7 @@
               <a:rPr lang="en-GB" sz="3000" dirty="0">
                 <a:latin typeface="Arial" panose="020B0604020202020204" pitchFamily="34" charset="0"/>
               </a:rPr>
-              <a:t>Transformer </a:t>
-            </a:r>
-            <a:r>
-              <a:rPr lang="en-GB" sz="3000" dirty="0" smtClean="0">
-                <a:latin typeface="Arial" panose="020B0604020202020204" pitchFamily="34" charset="0"/>
-              </a:rPr>
-              <a:t>outperforms GLM at every data point</a:t>
-            </a:r>
-            <a:r>
-              <a:rPr lang="en-GB" sz="3000" dirty="0" smtClean="0">
-                <a:latin typeface="Arial" panose="020B0604020202020204" pitchFamily="34" charset="0"/>
-              </a:rPr>
-              <a:t>, </a:t>
-            </a:r>
-            <a:r>
-              <a:rPr lang="en-GB" sz="3000" dirty="0">
-                <a:latin typeface="Arial" panose="020B0604020202020204" pitchFamily="34" charset="0"/>
-              </a:rPr>
-              <a:t>whereas GLM flattens out due to its predictive power</a:t>
-            </a:r>
-            <a:r>
-              <a:rPr lang="en-GB" sz="3000" dirty="0" smtClean="0">
-                <a:latin typeface="Arial" panose="020B0604020202020204" pitchFamily="34" charset="0"/>
-              </a:rPr>
-              <a:t>.</a:t>
+              <a:t>Transformer outperforms GLM at every data point, whereas GLM flattens out due to its predictive power.</a:t>
             </a:r>
             <a:endParaRPr lang="en-GB" sz="3000" dirty="0"/>
           </a:p>
@@ -7183,22 +7150,10 @@
               <a:buChar char="-"/>
             </a:pPr>
             <a:r>
-              <a:rPr lang="en-GB" sz="3000" dirty="0" smtClean="0">
-                <a:latin typeface="Arial" panose="020B0604020202020204" pitchFamily="34" charset="0"/>
-              </a:rPr>
-              <a:t>Optical </a:t>
-            </a:r>
-            <a:r>
               <a:rPr lang="en-GB" sz="3000" dirty="0">
                 <a:latin typeface="Arial" panose="020B0604020202020204" pitchFamily="34" charset="0"/>
               </a:rPr>
-              <a:t>and electrophysiology recording data enables computational modelling of the hippocampal CA1 – lateral septum circuit in </a:t>
-            </a:r>
-            <a:r>
-              <a:rPr lang="en-GB" sz="3000" dirty="0" smtClean="0">
-                <a:latin typeface="Arial" panose="020B0604020202020204" pitchFamily="34" charset="0"/>
-              </a:rPr>
-              <a:t>mice.</a:t>
+              <a:t>Optical and electrophysiology recording data enables computational modelling of the hippocampal CA1 – lateral septum circuit in mice.</a:t>
             </a:r>
           </a:p>
           <a:p>
@@ -7207,38 +7162,11 @@
               <a:buChar char="-"/>
             </a:pPr>
             <a:r>
-              <a:rPr lang="en-GB" sz="3000" dirty="0" smtClean="0">
-                <a:latin typeface="Arial" panose="020B0604020202020204" pitchFamily="34" charset="0"/>
-              </a:rPr>
-              <a:t>Transformer </a:t>
-            </a:r>
-            <a:r>
               <a:rPr lang="en-GB" sz="3000" dirty="0">
                 <a:latin typeface="Arial" panose="020B0604020202020204" pitchFamily="34" charset="0"/>
               </a:rPr>
-              <a:t>neural networks can be </a:t>
-            </a:r>
-            <a:r>
-              <a:rPr lang="en-GB" sz="3000" dirty="0" smtClean="0">
-                <a:latin typeface="Arial" panose="020B0604020202020204" pitchFamily="34" charset="0"/>
-              </a:rPr>
-              <a:t>trained on endogenous activities </a:t>
-            </a:r>
-            <a:r>
-              <a:rPr lang="en-GB" sz="3000" dirty="0">
-                <a:latin typeface="Arial" panose="020B0604020202020204" pitchFamily="34" charset="0"/>
-              </a:rPr>
-              <a:t>to learn the functional mapping of this </a:t>
-            </a:r>
-            <a:r>
-              <a:rPr lang="en-GB" sz="3000" dirty="0" smtClean="0">
-                <a:latin typeface="Arial" panose="020B0604020202020204" pitchFamily="34" charset="0"/>
-              </a:rPr>
-              <a:t>circuit.</a:t>
-            </a:r>
-            <a:endParaRPr lang="en-GB" sz="3000" dirty="0">
-              <a:latin typeface="Arial" panose="020B0604020202020204" pitchFamily="34" charset="0"/>
-            </a:endParaRPr>
+              <a:t>Transformer neural networks can be trained on endogenous activities to learn the functional mapping of this circuit.</a:t>
+            </a:r>
           </a:p>
           <a:p>
             <a:pPr marL="457200" indent="-457200">
@@ -7246,38 +7174,11 @@
               <a:buChar char="-"/>
             </a:pPr>
             <a:r>
-              <a:rPr lang="en-GB" sz="3000" dirty="0" smtClean="0">
-                <a:latin typeface="Arial" panose="020B0604020202020204" pitchFamily="34" charset="0"/>
-              </a:rPr>
-              <a:t>Trained model </a:t>
-            </a:r>
-            <a:r>
               <a:rPr lang="en-GB" sz="3000" dirty="0">
                 <a:latin typeface="Arial" panose="020B0604020202020204" pitchFamily="34" charset="0"/>
               </a:rPr>
-              <a:t>generalises to neural activities where </a:t>
-            </a:r>
-            <a:r>
-              <a:rPr lang="en-GB" sz="3000" dirty="0" smtClean="0">
-                <a:latin typeface="Arial" panose="020B0604020202020204" pitchFamily="34" charset="0"/>
-              </a:rPr>
-              <a:t>light-activated stimuli </a:t>
-            </a:r>
-            <a:r>
-              <a:rPr lang="en-GB" sz="3000" dirty="0">
-                <a:latin typeface="Arial" panose="020B0604020202020204" pitchFamily="34" charset="0"/>
-              </a:rPr>
-              <a:t>is injected </a:t>
-            </a:r>
-            <a:r>
-              <a:rPr lang="en-GB" sz="3000" dirty="0" smtClean="0">
-                <a:latin typeface="Arial" panose="020B0604020202020204" pitchFamily="34" charset="0"/>
-              </a:rPr>
-              <a:t>externally.</a:t>
-            </a:r>
-            <a:endParaRPr lang="en-GB" sz="3000" dirty="0">
-              <a:latin typeface="Arial" panose="020B0604020202020204" pitchFamily="34" charset="0"/>
-            </a:endParaRPr>
+              <a:t>Trained model generalises to neural activities where light-activated stimuli is injected externally.</a:t>
+            </a:r>
           </a:p>
           <a:p>
             <a:pPr marL="457200" indent="-457200">
@@ -7285,14 +7186,11 @@
               <a:buChar char="-"/>
             </a:pPr>
             <a:r>
-              <a:rPr lang="en-GB" sz="3000" dirty="0" smtClean="0">
+              <a:rPr lang="en-GB" sz="3000" dirty="0">
                 <a:latin typeface="Arial" panose="020B0604020202020204" pitchFamily="34" charset="0"/>
               </a:rPr>
               <a:t>Transformer outperforms baseline models in all scenarios.</a:t>
             </a:r>
-            <a:endParaRPr lang="en-GB" sz="3000" dirty="0">
-              <a:latin typeface="Arial" panose="020B0604020202020204" pitchFamily="34" charset="0"/>
-            </a:endParaRPr>
           </a:p>
           <a:p>
             <a:pPr marL="457200" indent="-457200">
@@ -7300,21 +7198,45 @@
               <a:buChar char="-"/>
             </a:pPr>
             <a:r>
-              <a:rPr lang="en-GB" sz="3000" dirty="0" smtClean="0">
-                <a:latin typeface="Arial" panose="020B0604020202020204" pitchFamily="34" charset="0"/>
-              </a:rPr>
-              <a:t>Training transformer is time saving and data </a:t>
-            </a:r>
-            <a:r>
               <a:rPr lang="en-GB" sz="3000" dirty="0">
                 <a:latin typeface="Arial" panose="020B0604020202020204" pitchFamily="34" charset="0"/>
               </a:rPr>
-              <a:t>efficient, and continues to improve when more data is provided.</a:t>
+              <a:t>Training transformer is time saving and data efficient, and continues to improve when more data is provided.</a:t>
             </a:r>
             <a:endParaRPr lang="en-GB" sz="3000" dirty="0"/>
           </a:p>
         </p:txBody>
       </p:sp>
+      <p:pic>
+        <p:nvPicPr>
+          <p:cNvPr id="24" name="Picture 23">
+            <a:extLst>
+              <a:ext uri="{FF2B5EF4-FFF2-40B4-BE49-F238E27FC236}">
+                <a16:creationId xmlns:a16="http://schemas.microsoft.com/office/drawing/2014/main" id="{24059270-2C4D-A106-7D8D-D88B377930B9}"/>
+              </a:ext>
+            </a:extLst>
+          </p:cNvPr>
+          <p:cNvPicPr>
+            <a:picLocks noChangeAspect="1"/>
+          </p:cNvPicPr>
+          <p:nvPr/>
+        </p:nvPicPr>
+        <p:blipFill>
+          <a:blip r:embed="rId17"/>
+          <a:stretch>
+            <a:fillRect/>
+          </a:stretch>
+        </p:blipFill>
+        <p:spPr>
+          <a:xfrm>
+            <a:off x="16428720" y="10300231"/>
+            <a:ext cx="3459974" cy="5165526"/>
+          </a:xfrm>
+          <a:prstGeom prst="rect">
+            <a:avLst/>
+          </a:prstGeom>
+        </p:spPr>
+      </p:pic>
     </p:spTree>
   </p:cSld>
   <p:clrMapOvr>
